--- a/docs/DemoHLA.pptx
+++ b/docs/DemoHLA.pptx
@@ -197,7 +197,7 @@
           <a:p>
             <a:fld id="{C9DB7F07-F611-493D-A98F-F381480ABA4E}" type="datetimeFigureOut">
               <a:rPr lang="en-US" smtClean="0"/>
-              <a:t>5/25/20</a:t>
+              <a:t>7/4/20</a:t>
             </a:fld>
             <a:endParaRPr lang="en-US"/>
           </a:p>
@@ -8545,10 +8545,10 @@
       </p:grpSpPr>
       <p:sp>
         <p:nvSpPr>
-          <p:cNvPr id="36" name="Rectangle 35">
+          <p:cNvPr id="15" name="Rectangle 14">
             <a:extLst>
               <a:ext uri="{FF2B5EF4-FFF2-40B4-BE49-F238E27FC236}">
-                <a16:creationId xmlns:a16="http://schemas.microsoft.com/office/drawing/2014/main" id="{B8FA74BC-C9E9-8544-888C-496F640C2FFB}"/>
+                <a16:creationId xmlns:a16="http://schemas.microsoft.com/office/drawing/2014/main" id="{468C2EAA-2AFA-8C4A-9CBA-D58D6EF95784}"/>
               </a:ext>
             </a:extLst>
           </p:cNvPr>
@@ -8557,8 +8557,8 @@
         </p:nvSpPr>
         <p:spPr>
           <a:xfrm>
-            <a:off x="11956009" y="5738358"/>
-            <a:ext cx="6822590" cy="3773631"/>
+            <a:off x="9140207" y="5678722"/>
+            <a:ext cx="6822590" cy="3773632"/>
           </a:xfrm>
           <a:prstGeom prst="rect">
             <a:avLst/>
@@ -8599,10 +8599,102 @@
       </p:sp>
       <p:sp>
         <p:nvSpPr>
-          <p:cNvPr id="15" name="Rectangle 14">
+          <p:cNvPr id="2" name="Title 1">
             <a:extLst>
               <a:ext uri="{FF2B5EF4-FFF2-40B4-BE49-F238E27FC236}">
-                <a16:creationId xmlns:a16="http://schemas.microsoft.com/office/drawing/2014/main" id="{468C2EAA-2AFA-8C4A-9CBA-D58D6EF95784}"/>
+                <a16:creationId xmlns:a16="http://schemas.microsoft.com/office/drawing/2014/main" id="{E18DA102-F2CA-804F-AD1E-740BBBED29EE}"/>
+              </a:ext>
+            </a:extLst>
+          </p:cNvPr>
+          <p:cNvSpPr>
+            <a:spLocks noGrp="1"/>
+          </p:cNvSpPr>
+          <p:nvPr>
+            <p:ph type="title"/>
+          </p:nvPr>
+        </p:nvSpPr>
+        <p:spPr>
+          <a:xfrm>
+            <a:off x="717395" y="480616"/>
+            <a:ext cx="22949210" cy="646306"/>
+          </a:xfrm>
+        </p:spPr>
+        <p:txBody>
+          <a:bodyPr>
+            <a:normAutofit fontScale="90000"/>
+          </a:bodyPr>
+          <a:lstStyle/>
+          <a:p>
+            <a:r>
+              <a:rPr lang="en-US" dirty="0"/>
+              <a:t>GDIT DevSecOps Demo HLA</a:t>
+            </a:r>
+          </a:p>
+        </p:txBody>
+      </p:sp>
+      <p:sp>
+        <p:nvSpPr>
+          <p:cNvPr id="3" name="Footer Placeholder 2">
+            <a:extLst>
+              <a:ext uri="{FF2B5EF4-FFF2-40B4-BE49-F238E27FC236}">
+                <a16:creationId xmlns:a16="http://schemas.microsoft.com/office/drawing/2014/main" id="{BCFFCBC9-B433-CA4C-BAD0-6328A82767EA}"/>
+              </a:ext>
+            </a:extLst>
+          </p:cNvPr>
+          <p:cNvSpPr>
+            <a:spLocks noGrp="1"/>
+          </p:cNvSpPr>
+          <p:nvPr>
+            <p:ph type="ftr" sz="quarter" idx="11"/>
+          </p:nvPr>
+        </p:nvSpPr>
+        <p:spPr/>
+        <p:txBody>
+          <a:bodyPr/>
+          <a:lstStyle/>
+          <a:p>
+            <a:r>
+              <a:rPr lang="en-US"/>
+              <a:t>© 2019 GENERAL DYNAMICS INFORMATION TECHNOLOGY. ALL RIGHTS RESERVED.</a:t>
+            </a:r>
+          </a:p>
+        </p:txBody>
+      </p:sp>
+      <p:sp>
+        <p:nvSpPr>
+          <p:cNvPr id="4" name="Slide Number Placeholder 3">
+            <a:extLst>
+              <a:ext uri="{FF2B5EF4-FFF2-40B4-BE49-F238E27FC236}">
+                <a16:creationId xmlns:a16="http://schemas.microsoft.com/office/drawing/2014/main" id="{7FAF11EB-CA57-4B4B-B98E-2D7CA545CDB8}"/>
+              </a:ext>
+            </a:extLst>
+          </p:cNvPr>
+          <p:cNvSpPr>
+            <a:spLocks noGrp="1"/>
+          </p:cNvSpPr>
+          <p:nvPr>
+            <p:ph type="sldNum" sz="quarter" idx="12"/>
+          </p:nvPr>
+        </p:nvSpPr>
+        <p:spPr/>
+        <p:txBody>
+          <a:bodyPr/>
+          <a:lstStyle/>
+          <a:p>
+            <a:fld id="{07024CDC-CF68-4D8C-9225-2260FB816485}" type="slidenum">
+              <a:rPr lang="en-US" smtClean="0"/>
+              <a:t>1</a:t>
+            </a:fld>
+            <a:endParaRPr lang="en-US"/>
+          </a:p>
+        </p:txBody>
+      </p:sp>
+      <p:sp>
+        <p:nvSpPr>
+          <p:cNvPr id="7" name="Rounded Rectangle 6">
+            <a:extLst>
+              <a:ext uri="{FF2B5EF4-FFF2-40B4-BE49-F238E27FC236}">
+                <a16:creationId xmlns:a16="http://schemas.microsoft.com/office/drawing/2014/main" id="{1B4928BB-1EF6-A041-B6EB-0333E32B120A}"/>
               </a:ext>
             </a:extLst>
           </p:cNvPr>
@@ -8611,16 +8703,14 @@
         </p:nvSpPr>
         <p:spPr>
           <a:xfrm>
-            <a:off x="4607964" y="5738357"/>
-            <a:ext cx="6822590" cy="3773632"/>
-          </a:xfrm>
-          <a:prstGeom prst="rect">
+            <a:off x="9198496" y="9575019"/>
+            <a:ext cx="6863137" cy="2185639"/>
+          </a:xfrm>
+          <a:prstGeom prst="roundRect">
             <a:avLst/>
           </a:prstGeom>
           <a:solidFill>
-            <a:schemeClr val="accent5">
-              <a:lumMod val="90000"/>
-            </a:schemeClr>
+            <a:schemeClr val="accent2"/>
           </a:solidFill>
           <a:ln>
             <a:noFill/>
@@ -8647,147 +8737,19 @@
           <a:lstStyle/>
           <a:p>
             <a:pPr algn="ctr"/>
-            <a:endParaRPr lang="en-US"/>
-          </a:p>
-        </p:txBody>
-      </p:sp>
-      <p:sp>
-        <p:nvSpPr>
-          <p:cNvPr id="2" name="Title 1">
+            <a:r>
+              <a:rPr lang="en-US" sz="3600" dirty="0"/>
+              <a:t>Kubernetes</a:t>
+            </a:r>
+          </a:p>
+        </p:txBody>
+      </p:sp>
+      <p:sp>
+        <p:nvSpPr>
+          <p:cNvPr id="10" name="Rounded Rectangle 9">
             <a:extLst>
               <a:ext uri="{FF2B5EF4-FFF2-40B4-BE49-F238E27FC236}">
-                <a16:creationId xmlns:a16="http://schemas.microsoft.com/office/drawing/2014/main" id="{E18DA102-F2CA-804F-AD1E-740BBBED29EE}"/>
-              </a:ext>
-            </a:extLst>
-          </p:cNvPr>
-          <p:cNvSpPr>
-            <a:spLocks noGrp="1"/>
-          </p:cNvSpPr>
-          <p:nvPr>
-            <p:ph type="title"/>
-          </p:nvPr>
-        </p:nvSpPr>
-        <p:spPr>
-          <a:xfrm>
-            <a:off x="717395" y="480616"/>
-            <a:ext cx="22949210" cy="646306"/>
-          </a:xfrm>
-        </p:spPr>
-        <p:txBody>
-          <a:bodyPr>
-            <a:normAutofit fontScale="90000"/>
-          </a:bodyPr>
-          <a:lstStyle/>
-          <a:p>
-            <a:r>
-              <a:rPr lang="en-US" dirty="0"/>
-              <a:t>GDIT DevSecOps Demo HLA</a:t>
-            </a:r>
-          </a:p>
-        </p:txBody>
-      </p:sp>
-      <p:sp>
-        <p:nvSpPr>
-          <p:cNvPr id="3" name="Footer Placeholder 2">
-            <a:extLst>
-              <a:ext uri="{FF2B5EF4-FFF2-40B4-BE49-F238E27FC236}">
-                <a16:creationId xmlns:a16="http://schemas.microsoft.com/office/drawing/2014/main" id="{BCFFCBC9-B433-CA4C-BAD0-6328A82767EA}"/>
-              </a:ext>
-            </a:extLst>
-          </p:cNvPr>
-          <p:cNvSpPr>
-            <a:spLocks noGrp="1"/>
-          </p:cNvSpPr>
-          <p:nvPr>
-            <p:ph type="ftr" sz="quarter" idx="11"/>
-          </p:nvPr>
-        </p:nvSpPr>
-        <p:spPr/>
-        <p:txBody>
-          <a:bodyPr/>
-          <a:lstStyle/>
-          <a:p>
-            <a:r>
-              <a:rPr lang="en-US"/>
-              <a:t>© 2019 GENERAL DYNAMICS INFORMATION TECHNOLOGY. ALL RIGHTS RESERVED.</a:t>
-            </a:r>
-          </a:p>
-        </p:txBody>
-      </p:sp>
-      <p:sp>
-        <p:nvSpPr>
-          <p:cNvPr id="4" name="Slide Number Placeholder 3">
-            <a:extLst>
-              <a:ext uri="{FF2B5EF4-FFF2-40B4-BE49-F238E27FC236}">
-                <a16:creationId xmlns:a16="http://schemas.microsoft.com/office/drawing/2014/main" id="{7FAF11EB-CA57-4B4B-B98E-2D7CA545CDB8}"/>
-              </a:ext>
-            </a:extLst>
-          </p:cNvPr>
-          <p:cNvSpPr>
-            <a:spLocks noGrp="1"/>
-          </p:cNvSpPr>
-          <p:nvPr>
-            <p:ph type="sldNum" sz="quarter" idx="12"/>
-          </p:nvPr>
-        </p:nvSpPr>
-        <p:spPr/>
-        <p:txBody>
-          <a:bodyPr/>
-          <a:lstStyle/>
-          <a:p>
-            <a:fld id="{07024CDC-CF68-4D8C-9225-2260FB816485}" type="slidenum">
-              <a:rPr lang="en-US" smtClean="0"/>
-              <a:t>1</a:t>
-            </a:fld>
-            <a:endParaRPr lang="en-US"/>
-          </a:p>
-        </p:txBody>
-      </p:sp>
-      <p:cxnSp>
-        <p:nvCxnSpPr>
-          <p:cNvPr id="6" name="Straight Connector 5">
-            <a:extLst>
-              <a:ext uri="{FF2B5EF4-FFF2-40B4-BE49-F238E27FC236}">
-                <a16:creationId xmlns:a16="http://schemas.microsoft.com/office/drawing/2014/main" id="{878378D7-1FE9-F049-AAFE-37A0D713E5CB}"/>
-              </a:ext>
-            </a:extLst>
-          </p:cNvPr>
-          <p:cNvCxnSpPr>
-            <a:cxnSpLocks/>
-          </p:cNvCxnSpPr>
-          <p:nvPr/>
-        </p:nvCxnSpPr>
-        <p:spPr>
-          <a:xfrm>
-            <a:off x="11693281" y="1179095"/>
-            <a:ext cx="0" cy="11249713"/>
-          </a:xfrm>
-          <a:prstGeom prst="line">
-            <a:avLst/>
-          </a:prstGeom>
-          <a:ln w="76200"/>
-        </p:spPr>
-        <p:style>
-          <a:lnRef idx="1">
-            <a:schemeClr val="accent1"/>
-          </a:lnRef>
-          <a:fillRef idx="0">
-            <a:schemeClr val="accent1"/>
-          </a:fillRef>
-          <a:effectRef idx="0">
-            <a:schemeClr val="accent1"/>
-          </a:effectRef>
-          <a:fontRef idx="minor">
-            <a:schemeClr val="tx1"/>
-          </a:fontRef>
-        </p:style>
-      </p:cxnSp>
-      <p:sp>
-        <p:nvSpPr>
-          <p:cNvPr id="7" name="Rounded Rectangle 6">
-            <a:extLst>
-              <a:ext uri="{FF2B5EF4-FFF2-40B4-BE49-F238E27FC236}">
-                <a16:creationId xmlns:a16="http://schemas.microsoft.com/office/drawing/2014/main" id="{1B4928BB-1EF6-A041-B6EB-0333E32B120A}"/>
+                <a16:creationId xmlns:a16="http://schemas.microsoft.com/office/drawing/2014/main" id="{8C6F3603-8E34-6E43-8370-57CF50455CEF}"/>
               </a:ext>
             </a:extLst>
           </p:cNvPr>
@@ -8796,14 +8758,14 @@
         </p:nvSpPr>
         <p:spPr>
           <a:xfrm>
-            <a:off x="4666253" y="9634654"/>
-            <a:ext cx="6863137" cy="2185639"/>
+            <a:off x="12736687" y="1630512"/>
+            <a:ext cx="3130839" cy="2496112"/>
           </a:xfrm>
           <a:prstGeom prst="roundRect">
             <a:avLst/>
           </a:prstGeom>
           <a:solidFill>
-            <a:schemeClr val="accent2"/>
+            <a:schemeClr val="accent1"/>
           </a:solidFill>
           <a:ln>
             <a:noFill/>
@@ -8831,18 +8793,60 @@
           <a:p>
             <a:pPr algn="ctr"/>
             <a:r>
-              <a:rPr lang="en-US" sz="3600" dirty="0"/>
-              <a:t>Kubernetes</a:t>
-            </a:r>
-          </a:p>
-        </p:txBody>
-      </p:sp>
-      <p:sp>
-        <p:nvSpPr>
-          <p:cNvPr id="8" name="Rounded Rectangle 7">
+              <a:rPr lang="en-US" sz="4400" dirty="0"/>
+              <a:t>GitLab</a:t>
+            </a:r>
+          </a:p>
+          <a:p>
+            <a:pPr algn="ctr"/>
+            <a:r>
+              <a:rPr lang="en-US" sz="4400" dirty="0"/>
+              <a:t>Project A</a:t>
+            </a:r>
+          </a:p>
+        </p:txBody>
+      </p:sp>
+      <p:sp>
+        <p:nvSpPr>
+          <p:cNvPr id="11" name="TextBox 10">
             <a:extLst>
               <a:ext uri="{FF2B5EF4-FFF2-40B4-BE49-F238E27FC236}">
-                <a16:creationId xmlns:a16="http://schemas.microsoft.com/office/drawing/2014/main" id="{283F63BC-D206-D145-977F-6986320D99D2}"/>
+                <a16:creationId xmlns:a16="http://schemas.microsoft.com/office/drawing/2014/main" id="{2D03FCCB-728A-3A45-A952-46C0CDBA94DC}"/>
+              </a:ext>
+            </a:extLst>
+          </p:cNvPr>
+          <p:cNvSpPr txBox="1"/>
+          <p:nvPr/>
+        </p:nvSpPr>
+        <p:spPr>
+          <a:xfrm>
+            <a:off x="7224020" y="4706119"/>
+            <a:ext cx="4551824" cy="584775"/>
+          </a:xfrm>
+          <a:prstGeom prst="rect">
+            <a:avLst/>
+          </a:prstGeom>
+          <a:noFill/>
+        </p:spPr>
+        <p:txBody>
+          <a:bodyPr wrap="none" rtlCol="0">
+            <a:spAutoFit/>
+          </a:bodyPr>
+          <a:lstStyle/>
+          <a:p>
+            <a:r>
+              <a:rPr lang="en-US" sz="3200" b="1" dirty="0"/>
+              <a:t>Amazon Web Services</a:t>
+            </a:r>
+          </a:p>
+        </p:txBody>
+      </p:sp>
+      <p:sp>
+        <p:nvSpPr>
+          <p:cNvPr id="13" name="Rounded Rectangle 12">
+            <a:extLst>
+              <a:ext uri="{FF2B5EF4-FFF2-40B4-BE49-F238E27FC236}">
+                <a16:creationId xmlns:a16="http://schemas.microsoft.com/office/drawing/2014/main" id="{DE83109B-9EEA-A146-9819-82138F5F522F}"/>
               </a:ext>
             </a:extLst>
           </p:cNvPr>
@@ -8851,16 +8855,19 @@
         </p:nvSpPr>
         <p:spPr>
           <a:xfrm>
-            <a:off x="11887388" y="9634653"/>
-            <a:ext cx="6829400" cy="2185639"/>
+            <a:off x="13859978" y="6095250"/>
+            <a:ext cx="1954809" cy="3125523"/>
           </a:xfrm>
           <a:prstGeom prst="roundRect">
             <a:avLst/>
           </a:prstGeom>
           <a:solidFill>
-            <a:schemeClr val="accent2"/>
+            <a:schemeClr val="accent2">
+              <a:lumMod val="40000"/>
+              <a:lumOff val="60000"/>
+            </a:schemeClr>
           </a:solidFill>
-          <a:ln>
+          <a:ln w="19050">
             <a:noFill/>
           </a:ln>
         </p:spPr>
@@ -8886,18 +8893,64 @@
           <a:p>
             <a:pPr algn="ctr"/>
             <a:r>
-              <a:rPr lang="en-US" sz="3600" dirty="0"/>
-              <a:t>Kubernetes</a:t>
-            </a:r>
-          </a:p>
-        </p:txBody>
-      </p:sp>
-      <p:sp>
-        <p:nvSpPr>
-          <p:cNvPr id="10" name="Rounded Rectangle 9">
+              <a:rPr lang="en-US" sz="2800" dirty="0"/>
+              <a:t>Ingress</a:t>
+            </a:r>
+          </a:p>
+        </p:txBody>
+      </p:sp>
+      <p:cxnSp>
+        <p:nvCxnSpPr>
+          <p:cNvPr id="16" name="Straight Arrow Connector 15">
             <a:extLst>
               <a:ext uri="{FF2B5EF4-FFF2-40B4-BE49-F238E27FC236}">
-                <a16:creationId xmlns:a16="http://schemas.microsoft.com/office/drawing/2014/main" id="{8C6F3603-8E34-6E43-8370-57CF50455CEF}"/>
+                <a16:creationId xmlns:a16="http://schemas.microsoft.com/office/drawing/2014/main" id="{36A9A036-2591-F64B-9975-BC7EF722A863}"/>
+              </a:ext>
+            </a:extLst>
+          </p:cNvPr>
+          <p:cNvCxnSpPr>
+            <a:cxnSpLocks/>
+            <a:stCxn id="10" idx="2"/>
+            <a:endCxn id="13" idx="0"/>
+          </p:cNvCxnSpPr>
+          <p:nvPr/>
+        </p:nvCxnSpPr>
+        <p:spPr>
+          <a:xfrm>
+            <a:off x="14302107" y="4126624"/>
+            <a:ext cx="535276" cy="1968626"/>
+          </a:xfrm>
+          <a:prstGeom prst="straightConnector1">
+            <a:avLst/>
+          </a:prstGeom>
+          <a:ln w="76200">
+            <a:solidFill>
+              <a:schemeClr val="tx1"/>
+            </a:solidFill>
+            <a:tailEnd type="triangle"/>
+          </a:ln>
+        </p:spPr>
+        <p:style>
+          <a:lnRef idx="1">
+            <a:schemeClr val="accent1"/>
+          </a:lnRef>
+          <a:fillRef idx="0">
+            <a:schemeClr val="accent1"/>
+          </a:fillRef>
+          <a:effectRef idx="0">
+            <a:schemeClr val="accent1"/>
+          </a:effectRef>
+          <a:fontRef idx="minor">
+            <a:schemeClr val="tx1"/>
+          </a:fontRef>
+        </p:style>
+      </p:cxnSp>
+      <p:sp>
+        <p:nvSpPr>
+          <p:cNvPr id="22" name="Rounded Rectangle 21">
+            <a:extLst>
+              <a:ext uri="{FF2B5EF4-FFF2-40B4-BE49-F238E27FC236}">
+                <a16:creationId xmlns:a16="http://schemas.microsoft.com/office/drawing/2014/main" id="{1F7A59CA-FEBE-614C-9A3D-D6CC815D0B27}"/>
               </a:ext>
             </a:extLst>
           </p:cNvPr>
@@ -8906,14 +8959,17 @@
         </p:nvSpPr>
         <p:spPr>
           <a:xfrm>
-            <a:off x="8204444" y="1690147"/>
-            <a:ext cx="3130839" cy="2496112"/>
+            <a:off x="9482104" y="7762234"/>
+            <a:ext cx="1962615" cy="1480184"/>
           </a:xfrm>
           <a:prstGeom prst="roundRect">
             <a:avLst/>
           </a:prstGeom>
           <a:solidFill>
-            <a:schemeClr val="accent1"/>
+            <a:schemeClr val="accent2">
+              <a:lumMod val="40000"/>
+              <a:lumOff val="60000"/>
+            </a:schemeClr>
           </a:solidFill>
           <a:ln>
             <a:noFill/>
@@ -8941,95 +8997,18 @@
           <a:p>
             <a:pPr algn="ctr"/>
             <a:r>
-              <a:rPr lang="en-US" sz="4400" dirty="0"/>
-              <a:t>GitLab</a:t>
-            </a:r>
-          </a:p>
-          <a:p>
-            <a:pPr algn="ctr"/>
-            <a:r>
-              <a:rPr lang="en-US" sz="4400" dirty="0"/>
-              <a:t>Project A</a:t>
-            </a:r>
-          </a:p>
-        </p:txBody>
-      </p:sp>
-      <p:sp>
-        <p:nvSpPr>
-          <p:cNvPr id="11" name="TextBox 10">
+              <a:rPr lang="en-US" sz="2800" dirty="0"/>
+              <a:t>Dash-board</a:t>
+            </a:r>
+          </a:p>
+        </p:txBody>
+      </p:sp>
+      <p:sp>
+        <p:nvSpPr>
+          <p:cNvPr id="26" name="Rounded Rectangle 25">
             <a:extLst>
               <a:ext uri="{FF2B5EF4-FFF2-40B4-BE49-F238E27FC236}">
-                <a16:creationId xmlns:a16="http://schemas.microsoft.com/office/drawing/2014/main" id="{2D03FCCB-728A-3A45-A952-46C0CDBA94DC}"/>
-              </a:ext>
-            </a:extLst>
-          </p:cNvPr>
-          <p:cNvSpPr txBox="1"/>
-          <p:nvPr/>
-        </p:nvSpPr>
-        <p:spPr>
-          <a:xfrm>
-            <a:off x="2691777" y="4765754"/>
-            <a:ext cx="4551824" cy="584775"/>
-          </a:xfrm>
-          <a:prstGeom prst="rect">
-            <a:avLst/>
-          </a:prstGeom>
-          <a:noFill/>
-        </p:spPr>
-        <p:txBody>
-          <a:bodyPr wrap="none" rtlCol="0">
-            <a:spAutoFit/>
-          </a:bodyPr>
-          <a:lstStyle/>
-          <a:p>
-            <a:r>
-              <a:rPr lang="en-US" sz="3200" b="1" dirty="0"/>
-              <a:t>Amazon Web Services</a:t>
-            </a:r>
-          </a:p>
-        </p:txBody>
-      </p:sp>
-      <p:sp>
-        <p:nvSpPr>
-          <p:cNvPr id="12" name="TextBox 11">
-            <a:extLst>
-              <a:ext uri="{FF2B5EF4-FFF2-40B4-BE49-F238E27FC236}">
-                <a16:creationId xmlns:a16="http://schemas.microsoft.com/office/drawing/2014/main" id="{7B296D4B-AB56-9E4A-B4F2-01503C12D7FB}"/>
-              </a:ext>
-            </a:extLst>
-          </p:cNvPr>
-          <p:cNvSpPr txBox="1"/>
-          <p:nvPr/>
-        </p:nvSpPr>
-        <p:spPr>
-          <a:xfrm>
-            <a:off x="17324215" y="4726741"/>
-            <a:ext cx="3266407" cy="584775"/>
-          </a:xfrm>
-          <a:prstGeom prst="rect">
-            <a:avLst/>
-          </a:prstGeom>
-          <a:noFill/>
-        </p:spPr>
-        <p:txBody>
-          <a:bodyPr wrap="none" rtlCol="0">
-            <a:spAutoFit/>
-          </a:bodyPr>
-          <a:lstStyle/>
-          <a:p>
-            <a:r>
-              <a:rPr lang="en-US" sz="3200" b="1" dirty="0"/>
-              <a:t>Microsoft Azure</a:t>
-            </a:r>
-          </a:p>
-        </p:txBody>
-      </p:sp>
-      <p:sp>
-        <p:nvSpPr>
-          <p:cNvPr id="13" name="Rounded Rectangle 12">
-            <a:extLst>
-              <a:ext uri="{FF2B5EF4-FFF2-40B4-BE49-F238E27FC236}">
-                <a16:creationId xmlns:a16="http://schemas.microsoft.com/office/drawing/2014/main" id="{DE83109B-9EEA-A146-9819-82138F5F522F}"/>
+                <a16:creationId xmlns:a16="http://schemas.microsoft.com/office/drawing/2014/main" id="{B7106940-E683-E344-8F8C-B08F32F8B0C3}"/>
               </a:ext>
             </a:extLst>
           </p:cNvPr>
@@ -9038,8 +9017,8 @@
         </p:nvSpPr>
         <p:spPr>
           <a:xfrm>
-            <a:off x="9327735" y="6154885"/>
-            <a:ext cx="1954809" cy="3125523"/>
+            <a:off x="9482104" y="5951767"/>
+            <a:ext cx="1962615" cy="1458929"/>
           </a:xfrm>
           <a:prstGeom prst="roundRect">
             <a:avLst/>
@@ -9050,7 +9029,7 @@
               <a:lumOff val="60000"/>
             </a:schemeClr>
           </a:solidFill>
-          <a:ln w="19050">
+          <a:ln>
             <a:noFill/>
           </a:ln>
         </p:spPr>
@@ -9077,40 +9056,100 @@
             <a:pPr algn="ctr"/>
             <a:r>
               <a:rPr lang="en-US" sz="2800" dirty="0"/>
-              <a:t>Ingress</a:t>
+              <a:t>Sonatype</a:t>
+            </a:r>
+          </a:p>
+        </p:txBody>
+      </p:sp>
+      <p:sp>
+        <p:nvSpPr>
+          <p:cNvPr id="28" name="Can 27">
+            <a:extLst>
+              <a:ext uri="{FF2B5EF4-FFF2-40B4-BE49-F238E27FC236}">
+                <a16:creationId xmlns:a16="http://schemas.microsoft.com/office/drawing/2014/main" id="{4AF77495-5D44-7D4D-A10D-01619748596A}"/>
+              </a:ext>
+            </a:extLst>
+          </p:cNvPr>
+          <p:cNvSpPr/>
+          <p:nvPr/>
+        </p:nvSpPr>
+        <p:spPr>
+          <a:xfrm>
+            <a:off x="6022260" y="8281474"/>
+            <a:ext cx="2088991" cy="3479183"/>
+          </a:xfrm>
+          <a:prstGeom prst="can">
+            <a:avLst/>
+          </a:prstGeom>
+          <a:solidFill>
+            <a:schemeClr val="accent2"/>
+          </a:solidFill>
+          <a:ln>
+            <a:noFill/>
+          </a:ln>
+        </p:spPr>
+        <p:style>
+          <a:lnRef idx="2">
+            <a:schemeClr val="accent1">
+              <a:shade val="50000"/>
+            </a:schemeClr>
+          </a:lnRef>
+          <a:fillRef idx="1">
+            <a:schemeClr val="accent1"/>
+          </a:fillRef>
+          <a:effectRef idx="0">
+            <a:schemeClr val="accent1"/>
+          </a:effectRef>
+          <a:fontRef idx="minor">
+            <a:schemeClr val="lt1"/>
+          </a:fontRef>
+        </p:style>
+        <p:txBody>
+          <a:bodyPr rtlCol="0" anchor="ctr"/>
+          <a:lstStyle/>
+          <a:p>
+            <a:pPr algn="ctr"/>
+            <a:r>
+              <a:rPr lang="en-US" sz="2800" dirty="0"/>
+              <a:t>Terraform</a:t>
+            </a:r>
+          </a:p>
+          <a:p>
+            <a:pPr algn="ctr"/>
+            <a:r>
+              <a:rPr lang="en-US" sz="2800" dirty="0"/>
+              <a:t>Backend</a:t>
             </a:r>
           </a:p>
         </p:txBody>
       </p:sp>
       <p:cxnSp>
         <p:nvCxnSpPr>
-          <p:cNvPr id="16" name="Straight Arrow Connector 15">
+          <p:cNvPr id="29" name="Straight Connector 28">
             <a:extLst>
               <a:ext uri="{FF2B5EF4-FFF2-40B4-BE49-F238E27FC236}">
-                <a16:creationId xmlns:a16="http://schemas.microsoft.com/office/drawing/2014/main" id="{36A9A036-2591-F64B-9975-BC7EF722A863}"/>
+                <a16:creationId xmlns:a16="http://schemas.microsoft.com/office/drawing/2014/main" id="{608803CD-3AB5-7540-A72C-4FE31B10DE2A}"/>
               </a:ext>
             </a:extLst>
           </p:cNvPr>
           <p:cNvCxnSpPr>
             <a:cxnSpLocks/>
-            <a:stCxn id="10" idx="2"/>
-            <a:endCxn id="13" idx="0"/>
           </p:cNvCxnSpPr>
           <p:nvPr/>
         </p:nvCxnSpPr>
         <p:spPr>
           <a:xfrm>
-            <a:off x="9769864" y="4186259"/>
-            <a:ext cx="535276" cy="1968626"/>
-          </a:xfrm>
-          <a:prstGeom prst="straightConnector1">
+            <a:off x="8637217" y="5290894"/>
+            <a:ext cx="0" cy="6755332"/>
+          </a:xfrm>
+          <a:prstGeom prst="line">
             <a:avLst/>
           </a:prstGeom>
-          <a:ln w="76200">
+          <a:ln>
             <a:solidFill>
-              <a:schemeClr val="tx1"/>
+              <a:schemeClr val="accent2"/>
             </a:solidFill>
-            <a:tailEnd type="triangle"/>
+            <a:prstDash val="dash"/>
           </a:ln>
         </p:spPr>
         <p:style>
@@ -9130,31 +9169,25 @@
       </p:cxnSp>
       <p:cxnSp>
         <p:nvCxnSpPr>
-          <p:cNvPr id="20" name="Straight Arrow Connector 19">
+          <p:cNvPr id="9" name="Straight Arrow Connector 8">
             <a:extLst>
               <a:ext uri="{FF2B5EF4-FFF2-40B4-BE49-F238E27FC236}">
-                <a16:creationId xmlns:a16="http://schemas.microsoft.com/office/drawing/2014/main" id="{10974C0E-DDFD-2E48-967A-4FDDC26C2976}"/>
+                <a16:creationId xmlns:a16="http://schemas.microsoft.com/office/drawing/2014/main" id="{F007FEFF-378B-6E4D-88D6-F761DEE5433F}"/>
               </a:ext>
             </a:extLst>
           </p:cNvPr>
-          <p:cNvCxnSpPr>
-            <a:cxnSpLocks/>
-            <a:stCxn id="30" idx="2"/>
-          </p:cNvCxnSpPr>
+          <p:cNvCxnSpPr/>
           <p:nvPr/>
         </p:nvCxnSpPr>
         <p:spPr>
-          <a:xfrm flipH="1">
-            <a:off x="13204931" y="4186259"/>
-            <a:ext cx="380165" cy="1968626"/>
+          <a:xfrm>
+            <a:off x="8111251" y="10913165"/>
+            <a:ext cx="1087246" cy="0"/>
           </a:xfrm>
           <a:prstGeom prst="straightConnector1">
             <a:avLst/>
           </a:prstGeom>
-          <a:ln w="76200">
-            <a:solidFill>
-              <a:schemeClr val="tx1"/>
-            </a:solidFill>
+          <a:ln w="38100">
             <a:tailEnd type="triangle"/>
           </a:ln>
         </p:spPr>
@@ -9175,10 +9208,10 @@
       </p:cxnSp>
       <p:sp>
         <p:nvSpPr>
-          <p:cNvPr id="22" name="Rounded Rectangle 21">
+          <p:cNvPr id="34" name="Rounded Rectangle 33">
             <a:extLst>
               <a:ext uri="{FF2B5EF4-FFF2-40B4-BE49-F238E27FC236}">
-                <a16:creationId xmlns:a16="http://schemas.microsoft.com/office/drawing/2014/main" id="{1F7A59CA-FEBE-614C-9A3D-D6CC815D0B27}"/>
+                <a16:creationId xmlns:a16="http://schemas.microsoft.com/office/drawing/2014/main" id="{9D1B497C-7BDB-E74E-96BC-9AB13AF73B17}"/>
               </a:ext>
             </a:extLst>
           </p:cNvPr>
@@ -9187,8 +9220,8 @@
         </p:nvSpPr>
         <p:spPr>
           <a:xfrm>
-            <a:off x="4949861" y="7821869"/>
-            <a:ext cx="1962615" cy="1480184"/>
+            <a:off x="11648756" y="7762234"/>
+            <a:ext cx="1962615" cy="1424957"/>
           </a:xfrm>
           <a:prstGeom prst="roundRect">
             <a:avLst/>
@@ -9226,17 +9259,17 @@
             <a:pPr algn="ctr"/>
             <a:r>
               <a:rPr lang="en-US" sz="2800" dirty="0"/>
-              <a:t>Dash-board</a:t>
-            </a:r>
-          </a:p>
-        </p:txBody>
-      </p:sp>
-      <p:sp>
-        <p:nvSpPr>
-          <p:cNvPr id="26" name="Rounded Rectangle 25">
+              <a:t>Vault</a:t>
+            </a:r>
+          </a:p>
+        </p:txBody>
+      </p:sp>
+      <p:sp>
+        <p:nvSpPr>
+          <p:cNvPr id="35" name="Rounded Rectangle 34">
             <a:extLst>
               <a:ext uri="{FF2B5EF4-FFF2-40B4-BE49-F238E27FC236}">
-                <a16:creationId xmlns:a16="http://schemas.microsoft.com/office/drawing/2014/main" id="{B7106940-E683-E344-8F8C-B08F32F8B0C3}"/>
+                <a16:creationId xmlns:a16="http://schemas.microsoft.com/office/drawing/2014/main" id="{DFF12CA7-F5DB-6842-B1EB-12D4481DCCAF}"/>
               </a:ext>
             </a:extLst>
           </p:cNvPr>
@@ -9245,8 +9278,8 @@
         </p:nvSpPr>
         <p:spPr>
           <a:xfrm>
-            <a:off x="4949861" y="6011402"/>
-            <a:ext cx="1962615" cy="1458929"/>
+            <a:off x="11645421" y="5951767"/>
+            <a:ext cx="1962615" cy="1480184"/>
           </a:xfrm>
           <a:prstGeom prst="roundRect">
             <a:avLst/>
@@ -9284,767 +9317,6 @@
             <a:pPr algn="ctr"/>
             <a:r>
               <a:rPr lang="en-US" sz="2800" dirty="0"/>
-              <a:t>Sonatype</a:t>
-            </a:r>
-          </a:p>
-        </p:txBody>
-      </p:sp>
-      <p:sp>
-        <p:nvSpPr>
-          <p:cNvPr id="28" name="Can 27">
-            <a:extLst>
-              <a:ext uri="{FF2B5EF4-FFF2-40B4-BE49-F238E27FC236}">
-                <a16:creationId xmlns:a16="http://schemas.microsoft.com/office/drawing/2014/main" id="{4AF77495-5D44-7D4D-A10D-01619748596A}"/>
-              </a:ext>
-            </a:extLst>
-          </p:cNvPr>
-          <p:cNvSpPr/>
-          <p:nvPr/>
-        </p:nvSpPr>
-        <p:spPr>
-          <a:xfrm>
-            <a:off x="1490017" y="8341109"/>
-            <a:ext cx="2088991" cy="3479183"/>
-          </a:xfrm>
-          <a:prstGeom prst="can">
-            <a:avLst/>
-          </a:prstGeom>
-          <a:solidFill>
-            <a:schemeClr val="accent2"/>
-          </a:solidFill>
-          <a:ln>
-            <a:noFill/>
-          </a:ln>
-        </p:spPr>
-        <p:style>
-          <a:lnRef idx="2">
-            <a:schemeClr val="accent1">
-              <a:shade val="50000"/>
-            </a:schemeClr>
-          </a:lnRef>
-          <a:fillRef idx="1">
-            <a:schemeClr val="accent1"/>
-          </a:fillRef>
-          <a:effectRef idx="0">
-            <a:schemeClr val="accent1"/>
-          </a:effectRef>
-          <a:fontRef idx="minor">
-            <a:schemeClr val="lt1"/>
-          </a:fontRef>
-        </p:style>
-        <p:txBody>
-          <a:bodyPr rtlCol="0" anchor="ctr"/>
-          <a:lstStyle/>
-          <a:p>
-            <a:pPr algn="ctr"/>
-            <a:r>
-              <a:rPr lang="en-US" sz="2800" dirty="0"/>
-              <a:t>Terraform</a:t>
-            </a:r>
-          </a:p>
-          <a:p>
-            <a:pPr algn="ctr"/>
-            <a:r>
-              <a:rPr lang="en-US" sz="2800" dirty="0"/>
-              <a:t>Backend</a:t>
-            </a:r>
-          </a:p>
-        </p:txBody>
-      </p:sp>
-      <p:cxnSp>
-        <p:nvCxnSpPr>
-          <p:cNvPr id="29" name="Straight Connector 28">
-            <a:extLst>
-              <a:ext uri="{FF2B5EF4-FFF2-40B4-BE49-F238E27FC236}">
-                <a16:creationId xmlns:a16="http://schemas.microsoft.com/office/drawing/2014/main" id="{608803CD-3AB5-7540-A72C-4FE31B10DE2A}"/>
-              </a:ext>
-            </a:extLst>
-          </p:cNvPr>
-          <p:cNvCxnSpPr>
-            <a:cxnSpLocks/>
-          </p:cNvCxnSpPr>
-          <p:nvPr/>
-        </p:nvCxnSpPr>
-        <p:spPr>
-          <a:xfrm>
-            <a:off x="4104974" y="5350529"/>
-            <a:ext cx="0" cy="6755332"/>
-          </a:xfrm>
-          <a:prstGeom prst="line">
-            <a:avLst/>
-          </a:prstGeom>
-          <a:ln>
-            <a:solidFill>
-              <a:schemeClr val="accent2"/>
-            </a:solidFill>
-            <a:prstDash val="dash"/>
-          </a:ln>
-        </p:spPr>
-        <p:style>
-          <a:lnRef idx="1">
-            <a:schemeClr val="accent1"/>
-          </a:lnRef>
-          <a:fillRef idx="0">
-            <a:schemeClr val="accent1"/>
-          </a:fillRef>
-          <a:effectRef idx="0">
-            <a:schemeClr val="accent1"/>
-          </a:effectRef>
-          <a:fontRef idx="minor">
-            <a:schemeClr val="tx1"/>
-          </a:fontRef>
-        </p:style>
-      </p:cxnSp>
-      <p:sp>
-        <p:nvSpPr>
-          <p:cNvPr id="31" name="Can 30">
-            <a:extLst>
-              <a:ext uri="{FF2B5EF4-FFF2-40B4-BE49-F238E27FC236}">
-                <a16:creationId xmlns:a16="http://schemas.microsoft.com/office/drawing/2014/main" id="{B090331E-D70E-1742-85D1-809334F437D1}"/>
-              </a:ext>
-            </a:extLst>
-          </p:cNvPr>
-          <p:cNvSpPr/>
-          <p:nvPr/>
-        </p:nvSpPr>
-        <p:spPr>
-          <a:xfrm>
-            <a:off x="19978199" y="8341109"/>
-            <a:ext cx="2088991" cy="3479183"/>
-          </a:xfrm>
-          <a:prstGeom prst="can">
-            <a:avLst/>
-          </a:prstGeom>
-          <a:solidFill>
-            <a:schemeClr val="accent2"/>
-          </a:solidFill>
-          <a:ln>
-            <a:noFill/>
-          </a:ln>
-        </p:spPr>
-        <p:style>
-          <a:lnRef idx="2">
-            <a:schemeClr val="accent1">
-              <a:shade val="50000"/>
-            </a:schemeClr>
-          </a:lnRef>
-          <a:fillRef idx="1">
-            <a:schemeClr val="accent1"/>
-          </a:fillRef>
-          <a:effectRef idx="0">
-            <a:schemeClr val="accent1"/>
-          </a:effectRef>
-          <a:fontRef idx="minor">
-            <a:schemeClr val="lt1"/>
-          </a:fontRef>
-        </p:style>
-        <p:txBody>
-          <a:bodyPr rtlCol="0" anchor="ctr"/>
-          <a:lstStyle/>
-          <a:p>
-            <a:pPr algn="ctr"/>
-            <a:r>
-              <a:rPr lang="en-US" sz="2800" dirty="0"/>
-              <a:t>Terraform</a:t>
-            </a:r>
-          </a:p>
-          <a:p>
-            <a:pPr algn="ctr"/>
-            <a:r>
-              <a:rPr lang="en-US" sz="2800" dirty="0"/>
-              <a:t>Backend</a:t>
-            </a:r>
-          </a:p>
-        </p:txBody>
-      </p:sp>
-      <p:cxnSp>
-        <p:nvCxnSpPr>
-          <p:cNvPr id="32" name="Straight Connector 31">
-            <a:extLst>
-              <a:ext uri="{FF2B5EF4-FFF2-40B4-BE49-F238E27FC236}">
-                <a16:creationId xmlns:a16="http://schemas.microsoft.com/office/drawing/2014/main" id="{EFFF6108-CA94-F240-804A-D705ECB975F6}"/>
-              </a:ext>
-            </a:extLst>
-          </p:cNvPr>
-          <p:cNvCxnSpPr>
-            <a:cxnSpLocks/>
-          </p:cNvCxnSpPr>
-          <p:nvPr/>
-        </p:nvCxnSpPr>
-        <p:spPr>
-          <a:xfrm>
-            <a:off x="19333823" y="5350529"/>
-            <a:ext cx="0" cy="6755332"/>
-          </a:xfrm>
-          <a:prstGeom prst="line">
-            <a:avLst/>
-          </a:prstGeom>
-          <a:ln>
-            <a:solidFill>
-              <a:schemeClr val="accent2"/>
-            </a:solidFill>
-            <a:prstDash val="dash"/>
-          </a:ln>
-        </p:spPr>
-        <p:style>
-          <a:lnRef idx="1">
-            <a:schemeClr val="accent1"/>
-          </a:lnRef>
-          <a:fillRef idx="0">
-            <a:schemeClr val="accent1"/>
-          </a:fillRef>
-          <a:effectRef idx="0">
-            <a:schemeClr val="accent1"/>
-          </a:effectRef>
-          <a:fontRef idx="minor">
-            <a:schemeClr val="tx1"/>
-          </a:fontRef>
-        </p:style>
-      </p:cxnSp>
-      <p:sp>
-        <p:nvSpPr>
-          <p:cNvPr id="30" name="Rounded Rectangle 29">
-            <a:extLst>
-              <a:ext uri="{FF2B5EF4-FFF2-40B4-BE49-F238E27FC236}">
-                <a16:creationId xmlns:a16="http://schemas.microsoft.com/office/drawing/2014/main" id="{B92AFAEC-05CB-4A44-A0E7-D426FF701FA8}"/>
-              </a:ext>
-            </a:extLst>
-          </p:cNvPr>
-          <p:cNvSpPr/>
-          <p:nvPr/>
-        </p:nvSpPr>
-        <p:spPr>
-          <a:xfrm>
-            <a:off x="12019676" y="1690147"/>
-            <a:ext cx="3130839" cy="2496112"/>
-          </a:xfrm>
-          <a:prstGeom prst="roundRect">
-            <a:avLst/>
-          </a:prstGeom>
-          <a:solidFill>
-            <a:schemeClr val="accent1"/>
-          </a:solidFill>
-          <a:ln>
-            <a:noFill/>
-          </a:ln>
-        </p:spPr>
-        <p:style>
-          <a:lnRef idx="2">
-            <a:schemeClr val="accent1">
-              <a:shade val="50000"/>
-            </a:schemeClr>
-          </a:lnRef>
-          <a:fillRef idx="1">
-            <a:schemeClr val="accent1"/>
-          </a:fillRef>
-          <a:effectRef idx="0">
-            <a:schemeClr val="accent1"/>
-          </a:effectRef>
-          <a:fontRef idx="minor">
-            <a:schemeClr val="lt1"/>
-          </a:fontRef>
-        </p:style>
-        <p:txBody>
-          <a:bodyPr rtlCol="0" anchor="ctr"/>
-          <a:lstStyle/>
-          <a:p>
-            <a:pPr algn="ctr"/>
-            <a:r>
-              <a:rPr lang="en-US" sz="4400" dirty="0"/>
-              <a:t>GitLab</a:t>
-            </a:r>
-          </a:p>
-          <a:p>
-            <a:pPr algn="ctr"/>
-            <a:r>
-              <a:rPr lang="en-US" sz="4400" dirty="0"/>
-              <a:t>Project B</a:t>
-            </a:r>
-          </a:p>
-        </p:txBody>
-      </p:sp>
-      <p:cxnSp>
-        <p:nvCxnSpPr>
-          <p:cNvPr id="9" name="Straight Arrow Connector 8">
-            <a:extLst>
-              <a:ext uri="{FF2B5EF4-FFF2-40B4-BE49-F238E27FC236}">
-                <a16:creationId xmlns:a16="http://schemas.microsoft.com/office/drawing/2014/main" id="{F007FEFF-378B-6E4D-88D6-F761DEE5433F}"/>
-              </a:ext>
-            </a:extLst>
-          </p:cNvPr>
-          <p:cNvCxnSpPr/>
-          <p:nvPr/>
-        </p:nvCxnSpPr>
-        <p:spPr>
-          <a:xfrm>
-            <a:off x="3579008" y="10972800"/>
-            <a:ext cx="1087246" cy="0"/>
-          </a:xfrm>
-          <a:prstGeom prst="straightConnector1">
-            <a:avLst/>
-          </a:prstGeom>
-          <a:ln w="38100">
-            <a:tailEnd type="triangle"/>
-          </a:ln>
-        </p:spPr>
-        <p:style>
-          <a:lnRef idx="1">
-            <a:schemeClr val="accent1"/>
-          </a:lnRef>
-          <a:fillRef idx="0">
-            <a:schemeClr val="accent1"/>
-          </a:fillRef>
-          <a:effectRef idx="0">
-            <a:schemeClr val="accent1"/>
-          </a:effectRef>
-          <a:fontRef idx="minor">
-            <a:schemeClr val="tx1"/>
-          </a:fontRef>
-        </p:style>
-      </p:cxnSp>
-      <p:cxnSp>
-        <p:nvCxnSpPr>
-          <p:cNvPr id="33" name="Straight Arrow Connector 32">
-            <a:extLst>
-              <a:ext uri="{FF2B5EF4-FFF2-40B4-BE49-F238E27FC236}">
-                <a16:creationId xmlns:a16="http://schemas.microsoft.com/office/drawing/2014/main" id="{12F76515-DDD6-AC4E-B24E-25282319F215}"/>
-              </a:ext>
-            </a:extLst>
-          </p:cNvPr>
-          <p:cNvCxnSpPr>
-            <a:cxnSpLocks/>
-            <a:endCxn id="8" idx="3"/>
-          </p:cNvCxnSpPr>
-          <p:nvPr/>
-        </p:nvCxnSpPr>
-        <p:spPr>
-          <a:xfrm flipH="1">
-            <a:off x="18716788" y="10727473"/>
-            <a:ext cx="1261412" cy="0"/>
-          </a:xfrm>
-          <a:prstGeom prst="straightConnector1">
-            <a:avLst/>
-          </a:prstGeom>
-          <a:ln w="38100">
-            <a:tailEnd type="triangle"/>
-          </a:ln>
-        </p:spPr>
-        <p:style>
-          <a:lnRef idx="1">
-            <a:schemeClr val="accent1"/>
-          </a:lnRef>
-          <a:fillRef idx="0">
-            <a:schemeClr val="accent1"/>
-          </a:fillRef>
-          <a:effectRef idx="0">
-            <a:schemeClr val="accent1"/>
-          </a:effectRef>
-          <a:fontRef idx="minor">
-            <a:schemeClr val="tx1"/>
-          </a:fontRef>
-        </p:style>
-      </p:cxnSp>
-      <p:sp>
-        <p:nvSpPr>
-          <p:cNvPr id="34" name="Rounded Rectangle 33">
-            <a:extLst>
-              <a:ext uri="{FF2B5EF4-FFF2-40B4-BE49-F238E27FC236}">
-                <a16:creationId xmlns:a16="http://schemas.microsoft.com/office/drawing/2014/main" id="{9D1B497C-7BDB-E74E-96BC-9AB13AF73B17}"/>
-              </a:ext>
-            </a:extLst>
-          </p:cNvPr>
-          <p:cNvSpPr/>
-          <p:nvPr/>
-        </p:nvSpPr>
-        <p:spPr>
-          <a:xfrm>
-            <a:off x="7116513" y="7821869"/>
-            <a:ext cx="1962615" cy="1424957"/>
-          </a:xfrm>
-          <a:prstGeom prst="roundRect">
-            <a:avLst/>
-          </a:prstGeom>
-          <a:solidFill>
-            <a:schemeClr val="accent2">
-              <a:lumMod val="40000"/>
-              <a:lumOff val="60000"/>
-            </a:schemeClr>
-          </a:solidFill>
-          <a:ln>
-            <a:noFill/>
-          </a:ln>
-        </p:spPr>
-        <p:style>
-          <a:lnRef idx="2">
-            <a:schemeClr val="accent1">
-              <a:shade val="50000"/>
-            </a:schemeClr>
-          </a:lnRef>
-          <a:fillRef idx="1">
-            <a:schemeClr val="accent1"/>
-          </a:fillRef>
-          <a:effectRef idx="0">
-            <a:schemeClr val="accent1"/>
-          </a:effectRef>
-          <a:fontRef idx="minor">
-            <a:schemeClr val="lt1"/>
-          </a:fontRef>
-        </p:style>
-        <p:txBody>
-          <a:bodyPr rtlCol="0" anchor="ctr"/>
-          <a:lstStyle/>
-          <a:p>
-            <a:pPr algn="ctr"/>
-            <a:r>
-              <a:rPr lang="en-US" sz="2800" dirty="0"/>
-              <a:t>Vault</a:t>
-            </a:r>
-          </a:p>
-        </p:txBody>
-      </p:sp>
-      <p:sp>
-        <p:nvSpPr>
-          <p:cNvPr id="35" name="Rounded Rectangle 34">
-            <a:extLst>
-              <a:ext uri="{FF2B5EF4-FFF2-40B4-BE49-F238E27FC236}">
-                <a16:creationId xmlns:a16="http://schemas.microsoft.com/office/drawing/2014/main" id="{DFF12CA7-F5DB-6842-B1EB-12D4481DCCAF}"/>
-              </a:ext>
-            </a:extLst>
-          </p:cNvPr>
-          <p:cNvSpPr/>
-          <p:nvPr/>
-        </p:nvSpPr>
-        <p:spPr>
-          <a:xfrm>
-            <a:off x="7113178" y="6011402"/>
-            <a:ext cx="1962615" cy="1480184"/>
-          </a:xfrm>
-          <a:prstGeom prst="roundRect">
-            <a:avLst/>
-          </a:prstGeom>
-          <a:solidFill>
-            <a:schemeClr val="accent2">
-              <a:lumMod val="40000"/>
-              <a:lumOff val="60000"/>
-            </a:schemeClr>
-          </a:solidFill>
-          <a:ln>
-            <a:noFill/>
-          </a:ln>
-        </p:spPr>
-        <p:style>
-          <a:lnRef idx="2">
-            <a:schemeClr val="accent1">
-              <a:shade val="50000"/>
-            </a:schemeClr>
-          </a:lnRef>
-          <a:fillRef idx="1">
-            <a:schemeClr val="accent1"/>
-          </a:fillRef>
-          <a:effectRef idx="0">
-            <a:schemeClr val="accent1"/>
-          </a:effectRef>
-          <a:fontRef idx="minor">
-            <a:schemeClr val="lt1"/>
-          </a:fontRef>
-        </p:style>
-        <p:txBody>
-          <a:bodyPr rtlCol="0" anchor="ctr"/>
-          <a:lstStyle/>
-          <a:p>
-            <a:pPr algn="ctr"/>
-            <a:r>
-              <a:rPr lang="en-US" sz="2800" dirty="0"/>
-              <a:t>Demo App</a:t>
-            </a:r>
-          </a:p>
-        </p:txBody>
-      </p:sp>
-      <p:sp>
-        <p:nvSpPr>
-          <p:cNvPr id="37" name="Rounded Rectangle 36">
-            <a:extLst>
-              <a:ext uri="{FF2B5EF4-FFF2-40B4-BE49-F238E27FC236}">
-                <a16:creationId xmlns:a16="http://schemas.microsoft.com/office/drawing/2014/main" id="{C29784BD-6FF4-7443-B8D5-6FB1A8C6906B}"/>
-              </a:ext>
-            </a:extLst>
-          </p:cNvPr>
-          <p:cNvSpPr/>
-          <p:nvPr/>
-        </p:nvSpPr>
-        <p:spPr>
-          <a:xfrm>
-            <a:off x="12227527" y="6154885"/>
-            <a:ext cx="1954809" cy="3125523"/>
-          </a:xfrm>
-          <a:prstGeom prst="roundRect">
-            <a:avLst/>
-          </a:prstGeom>
-          <a:solidFill>
-            <a:schemeClr val="accent2">
-              <a:lumMod val="40000"/>
-              <a:lumOff val="60000"/>
-            </a:schemeClr>
-          </a:solidFill>
-          <a:ln w="19050">
-            <a:noFill/>
-          </a:ln>
-        </p:spPr>
-        <p:style>
-          <a:lnRef idx="2">
-            <a:schemeClr val="accent1">
-              <a:shade val="50000"/>
-            </a:schemeClr>
-          </a:lnRef>
-          <a:fillRef idx="1">
-            <a:schemeClr val="accent1"/>
-          </a:fillRef>
-          <a:effectRef idx="0">
-            <a:schemeClr val="accent1"/>
-          </a:effectRef>
-          <a:fontRef idx="minor">
-            <a:schemeClr val="lt1"/>
-          </a:fontRef>
-        </p:style>
-        <p:txBody>
-          <a:bodyPr rtlCol="0" anchor="ctr"/>
-          <a:lstStyle/>
-          <a:p>
-            <a:pPr algn="ctr"/>
-            <a:r>
-              <a:rPr lang="en-US" sz="2800" dirty="0"/>
-              <a:t>Ingress</a:t>
-            </a:r>
-          </a:p>
-        </p:txBody>
-      </p:sp>
-      <p:sp>
-        <p:nvSpPr>
-          <p:cNvPr id="38" name="Rounded Rectangle 37">
-            <a:extLst>
-              <a:ext uri="{FF2B5EF4-FFF2-40B4-BE49-F238E27FC236}">
-                <a16:creationId xmlns:a16="http://schemas.microsoft.com/office/drawing/2014/main" id="{AD543F75-17A3-4A41-987E-F85ECD86F5E6}"/>
-              </a:ext>
-            </a:extLst>
-          </p:cNvPr>
-          <p:cNvSpPr/>
-          <p:nvPr/>
-        </p:nvSpPr>
-        <p:spPr>
-          <a:xfrm>
-            <a:off x="16590479" y="7822606"/>
-            <a:ext cx="1962615" cy="1480184"/>
-          </a:xfrm>
-          <a:prstGeom prst="roundRect">
-            <a:avLst/>
-          </a:prstGeom>
-          <a:solidFill>
-            <a:schemeClr val="accent2">
-              <a:lumMod val="40000"/>
-              <a:lumOff val="60000"/>
-            </a:schemeClr>
-          </a:solidFill>
-          <a:ln>
-            <a:noFill/>
-          </a:ln>
-        </p:spPr>
-        <p:style>
-          <a:lnRef idx="2">
-            <a:schemeClr val="accent1">
-              <a:shade val="50000"/>
-            </a:schemeClr>
-          </a:lnRef>
-          <a:fillRef idx="1">
-            <a:schemeClr val="accent1"/>
-          </a:fillRef>
-          <a:effectRef idx="0">
-            <a:schemeClr val="accent1"/>
-          </a:effectRef>
-          <a:fontRef idx="minor">
-            <a:schemeClr val="lt1"/>
-          </a:fontRef>
-        </p:style>
-        <p:txBody>
-          <a:bodyPr rtlCol="0" anchor="ctr"/>
-          <a:lstStyle/>
-          <a:p>
-            <a:pPr algn="ctr"/>
-            <a:r>
-              <a:rPr lang="en-US" sz="2800" dirty="0"/>
-              <a:t>Dash-board</a:t>
-            </a:r>
-          </a:p>
-        </p:txBody>
-      </p:sp>
-      <p:sp>
-        <p:nvSpPr>
-          <p:cNvPr id="39" name="Rounded Rectangle 38">
-            <a:extLst>
-              <a:ext uri="{FF2B5EF4-FFF2-40B4-BE49-F238E27FC236}">
-                <a16:creationId xmlns:a16="http://schemas.microsoft.com/office/drawing/2014/main" id="{F15E418D-E5AB-8742-9D63-5BC78AE6EF98}"/>
-              </a:ext>
-            </a:extLst>
-          </p:cNvPr>
-          <p:cNvSpPr/>
-          <p:nvPr/>
-        </p:nvSpPr>
-        <p:spPr>
-          <a:xfrm>
-            <a:off x="16590478" y="6034605"/>
-            <a:ext cx="1962615" cy="1458929"/>
-          </a:xfrm>
-          <a:prstGeom prst="roundRect">
-            <a:avLst/>
-          </a:prstGeom>
-          <a:solidFill>
-            <a:schemeClr val="accent2">
-              <a:lumMod val="40000"/>
-              <a:lumOff val="60000"/>
-            </a:schemeClr>
-          </a:solidFill>
-          <a:ln>
-            <a:noFill/>
-          </a:ln>
-        </p:spPr>
-        <p:style>
-          <a:lnRef idx="2">
-            <a:schemeClr val="accent1">
-              <a:shade val="50000"/>
-            </a:schemeClr>
-          </a:lnRef>
-          <a:fillRef idx="1">
-            <a:schemeClr val="accent1"/>
-          </a:fillRef>
-          <a:effectRef idx="0">
-            <a:schemeClr val="accent1"/>
-          </a:effectRef>
-          <a:fontRef idx="minor">
-            <a:schemeClr val="lt1"/>
-          </a:fontRef>
-        </p:style>
-        <p:txBody>
-          <a:bodyPr rtlCol="0" anchor="ctr"/>
-          <a:lstStyle/>
-          <a:p>
-            <a:pPr algn="ctr"/>
-            <a:r>
-              <a:rPr lang="en-US" sz="2800" dirty="0"/>
-              <a:t>Sonatype</a:t>
-            </a:r>
-          </a:p>
-        </p:txBody>
-      </p:sp>
-      <p:sp>
-        <p:nvSpPr>
-          <p:cNvPr id="40" name="Rounded Rectangle 39">
-            <a:extLst>
-              <a:ext uri="{FF2B5EF4-FFF2-40B4-BE49-F238E27FC236}">
-                <a16:creationId xmlns:a16="http://schemas.microsoft.com/office/drawing/2014/main" id="{E04CFB4A-7969-814B-948F-E94F75760C1E}"/>
-              </a:ext>
-            </a:extLst>
-          </p:cNvPr>
-          <p:cNvSpPr/>
-          <p:nvPr/>
-        </p:nvSpPr>
-        <p:spPr>
-          <a:xfrm>
-            <a:off x="14417626" y="7877096"/>
-            <a:ext cx="1962615" cy="1424957"/>
-          </a:xfrm>
-          <a:prstGeom prst="roundRect">
-            <a:avLst/>
-          </a:prstGeom>
-          <a:solidFill>
-            <a:schemeClr val="accent2">
-              <a:lumMod val="40000"/>
-              <a:lumOff val="60000"/>
-            </a:schemeClr>
-          </a:solidFill>
-          <a:ln>
-            <a:noFill/>
-          </a:ln>
-        </p:spPr>
-        <p:style>
-          <a:lnRef idx="2">
-            <a:schemeClr val="accent1">
-              <a:shade val="50000"/>
-            </a:schemeClr>
-          </a:lnRef>
-          <a:fillRef idx="1">
-            <a:schemeClr val="accent1"/>
-          </a:fillRef>
-          <a:effectRef idx="0">
-            <a:schemeClr val="accent1"/>
-          </a:effectRef>
-          <a:fontRef idx="minor">
-            <a:schemeClr val="lt1"/>
-          </a:fontRef>
-        </p:style>
-        <p:txBody>
-          <a:bodyPr rtlCol="0" anchor="ctr"/>
-          <a:lstStyle/>
-          <a:p>
-            <a:pPr algn="ctr"/>
-            <a:r>
-              <a:rPr lang="en-US" sz="2800" dirty="0"/>
-              <a:t>Vault</a:t>
-            </a:r>
-          </a:p>
-        </p:txBody>
-      </p:sp>
-      <p:sp>
-        <p:nvSpPr>
-          <p:cNvPr id="41" name="Rounded Rectangle 40">
-            <a:extLst>
-              <a:ext uri="{FF2B5EF4-FFF2-40B4-BE49-F238E27FC236}">
-                <a16:creationId xmlns:a16="http://schemas.microsoft.com/office/drawing/2014/main" id="{5EBC52B2-4EF2-D249-A38D-8FD3752ABC45}"/>
-              </a:ext>
-            </a:extLst>
-          </p:cNvPr>
-          <p:cNvSpPr/>
-          <p:nvPr/>
-        </p:nvSpPr>
-        <p:spPr>
-          <a:xfrm>
-            <a:off x="14417625" y="6034605"/>
-            <a:ext cx="1962615" cy="1480184"/>
-          </a:xfrm>
-          <a:prstGeom prst="roundRect">
-            <a:avLst/>
-          </a:prstGeom>
-          <a:solidFill>
-            <a:schemeClr val="accent2">
-              <a:lumMod val="40000"/>
-              <a:lumOff val="60000"/>
-            </a:schemeClr>
-          </a:solidFill>
-          <a:ln>
-            <a:noFill/>
-          </a:ln>
-        </p:spPr>
-        <p:style>
-          <a:lnRef idx="2">
-            <a:schemeClr val="accent1">
-              <a:shade val="50000"/>
-            </a:schemeClr>
-          </a:lnRef>
-          <a:fillRef idx="1">
-            <a:schemeClr val="accent1"/>
-          </a:fillRef>
-          <a:effectRef idx="0">
-            <a:schemeClr val="accent1"/>
-          </a:effectRef>
-          <a:fontRef idx="minor">
-            <a:schemeClr val="lt1"/>
-          </a:fontRef>
-        </p:style>
-        <p:txBody>
-          <a:bodyPr rtlCol="0" anchor="ctr"/>
-          <a:lstStyle/>
-          <a:p>
-            <a:pPr algn="ctr"/>
-            <a:r>
-              <a:rPr lang="en-US" sz="2800" dirty="0"/>
               <a:t>Demo App</a:t>
             </a:r>
           </a:p>
@@ -10068,55 +9340,8 @@
         </p:nvCxnSpPr>
         <p:spPr>
           <a:xfrm flipH="1">
-            <a:off x="8094486" y="4186259"/>
+            <a:off x="12626729" y="4126624"/>
             <a:ext cx="1675378" cy="1825143"/>
-          </a:xfrm>
-          <a:prstGeom prst="straightConnector1">
-            <a:avLst/>
-          </a:prstGeom>
-          <a:ln w="38100">
-            <a:solidFill>
-              <a:schemeClr val="tx1"/>
-            </a:solidFill>
-            <a:prstDash val="dash"/>
-            <a:tailEnd type="triangle"/>
-          </a:ln>
-        </p:spPr>
-        <p:style>
-          <a:lnRef idx="1">
-            <a:schemeClr val="accent1"/>
-          </a:lnRef>
-          <a:fillRef idx="0">
-            <a:schemeClr val="accent1"/>
-          </a:fillRef>
-          <a:effectRef idx="0">
-            <a:schemeClr val="accent1"/>
-          </a:effectRef>
-          <a:fontRef idx="minor">
-            <a:schemeClr val="tx1"/>
-          </a:fontRef>
-        </p:style>
-      </p:cxnSp>
-      <p:cxnSp>
-        <p:nvCxnSpPr>
-          <p:cNvPr id="43" name="Straight Arrow Connector 42">
-            <a:extLst>
-              <a:ext uri="{FF2B5EF4-FFF2-40B4-BE49-F238E27FC236}">
-                <a16:creationId xmlns:a16="http://schemas.microsoft.com/office/drawing/2014/main" id="{75D85AE9-DA64-D74D-AEB6-62489772A8F4}"/>
-              </a:ext>
-            </a:extLst>
-          </p:cNvPr>
-          <p:cNvCxnSpPr>
-            <a:cxnSpLocks/>
-            <a:stCxn id="30" idx="2"/>
-            <a:endCxn id="41" idx="0"/>
-          </p:cNvCxnSpPr>
-          <p:nvPr/>
-        </p:nvCxnSpPr>
-        <p:spPr>
-          <a:xfrm>
-            <a:off x="13585096" y="4186259"/>
-            <a:ext cx="1813837" cy="1848346"/>
           </a:xfrm>
           <a:prstGeom prst="straightConnector1">
             <a:avLst/>

--- a/docs/DemoHLA.pptx
+++ b/docs/DemoHLA.pptx
@@ -197,7 +197,7 @@
           <a:p>
             <a:fld id="{C9DB7F07-F611-493D-A98F-F381480ABA4E}" type="datetimeFigureOut">
               <a:rPr lang="en-US" smtClean="0"/>
-              <a:t>7/4/20</a:t>
+              <a:t>7/6/20</a:t>
             </a:fld>
             <a:endParaRPr lang="en-US"/>
           </a:p>
@@ -9005,64 +9005,6 @@
       </p:sp>
       <p:sp>
         <p:nvSpPr>
-          <p:cNvPr id="26" name="Rounded Rectangle 25">
-            <a:extLst>
-              <a:ext uri="{FF2B5EF4-FFF2-40B4-BE49-F238E27FC236}">
-                <a16:creationId xmlns:a16="http://schemas.microsoft.com/office/drawing/2014/main" id="{B7106940-E683-E344-8F8C-B08F32F8B0C3}"/>
-              </a:ext>
-            </a:extLst>
-          </p:cNvPr>
-          <p:cNvSpPr/>
-          <p:nvPr/>
-        </p:nvSpPr>
-        <p:spPr>
-          <a:xfrm>
-            <a:off x="9482104" y="5951767"/>
-            <a:ext cx="1962615" cy="1458929"/>
-          </a:xfrm>
-          <a:prstGeom prst="roundRect">
-            <a:avLst/>
-          </a:prstGeom>
-          <a:solidFill>
-            <a:schemeClr val="accent2">
-              <a:lumMod val="40000"/>
-              <a:lumOff val="60000"/>
-            </a:schemeClr>
-          </a:solidFill>
-          <a:ln>
-            <a:noFill/>
-          </a:ln>
-        </p:spPr>
-        <p:style>
-          <a:lnRef idx="2">
-            <a:schemeClr val="accent1">
-              <a:shade val="50000"/>
-            </a:schemeClr>
-          </a:lnRef>
-          <a:fillRef idx="1">
-            <a:schemeClr val="accent1"/>
-          </a:fillRef>
-          <a:effectRef idx="0">
-            <a:schemeClr val="accent1"/>
-          </a:effectRef>
-          <a:fontRef idx="minor">
-            <a:schemeClr val="lt1"/>
-          </a:fontRef>
-        </p:style>
-        <p:txBody>
-          <a:bodyPr rtlCol="0" anchor="ctr"/>
-          <a:lstStyle/>
-          <a:p>
-            <a:pPr algn="ctr"/>
-            <a:r>
-              <a:rPr lang="en-US" sz="2800" dirty="0"/>
-              <a:t>Sonatype</a:t>
-            </a:r>
-          </a:p>
-        </p:txBody>
-      </p:sp>
-      <p:sp>
-        <p:nvSpPr>
           <p:cNvPr id="28" name="Can 27">
             <a:extLst>
               <a:ext uri="{FF2B5EF4-FFF2-40B4-BE49-F238E27FC236}">
@@ -9278,8 +9220,8 @@
         </p:nvSpPr>
         <p:spPr>
           <a:xfrm>
-            <a:off x="11645421" y="5951767"/>
-            <a:ext cx="1962615" cy="1480184"/>
+            <a:off x="9482105" y="5951767"/>
+            <a:ext cx="4125932" cy="1480184"/>
           </a:xfrm>
           <a:prstGeom prst="roundRect">
             <a:avLst/>
@@ -9340,8 +9282,8 @@
         </p:nvCxnSpPr>
         <p:spPr>
           <a:xfrm flipH="1">
-            <a:off x="12626729" y="4126624"/>
-            <a:ext cx="1675378" cy="1825143"/>
+            <a:off x="11545071" y="4126624"/>
+            <a:ext cx="2757036" cy="1825143"/>
           </a:xfrm>
           <a:prstGeom prst="straightConnector1">
             <a:avLst/>

--- a/docs/DemoHLA.pptx
+++ b/docs/DemoHLA.pptx
@@ -197,7 +197,7 @@
           <a:p>
             <a:fld id="{C9DB7F07-F611-493D-A98F-F381480ABA4E}" type="datetimeFigureOut">
               <a:rPr lang="en-US" smtClean="0"/>
-              <a:t>7/6/20</a:t>
+              <a:t>10/1/20</a:t>
             </a:fld>
             <a:endParaRPr lang="en-US"/>
           </a:p>
@@ -8947,64 +8947,6 @@
       </p:cxnSp>
       <p:sp>
         <p:nvSpPr>
-          <p:cNvPr id="22" name="Rounded Rectangle 21">
-            <a:extLst>
-              <a:ext uri="{FF2B5EF4-FFF2-40B4-BE49-F238E27FC236}">
-                <a16:creationId xmlns:a16="http://schemas.microsoft.com/office/drawing/2014/main" id="{1F7A59CA-FEBE-614C-9A3D-D6CC815D0B27}"/>
-              </a:ext>
-            </a:extLst>
-          </p:cNvPr>
-          <p:cNvSpPr/>
-          <p:nvPr/>
-        </p:nvSpPr>
-        <p:spPr>
-          <a:xfrm>
-            <a:off x="9482104" y="7762234"/>
-            <a:ext cx="1962615" cy="1480184"/>
-          </a:xfrm>
-          <a:prstGeom prst="roundRect">
-            <a:avLst/>
-          </a:prstGeom>
-          <a:solidFill>
-            <a:schemeClr val="accent2">
-              <a:lumMod val="40000"/>
-              <a:lumOff val="60000"/>
-            </a:schemeClr>
-          </a:solidFill>
-          <a:ln>
-            <a:noFill/>
-          </a:ln>
-        </p:spPr>
-        <p:style>
-          <a:lnRef idx="2">
-            <a:schemeClr val="accent1">
-              <a:shade val="50000"/>
-            </a:schemeClr>
-          </a:lnRef>
-          <a:fillRef idx="1">
-            <a:schemeClr val="accent1"/>
-          </a:fillRef>
-          <a:effectRef idx="0">
-            <a:schemeClr val="accent1"/>
-          </a:effectRef>
-          <a:fontRef idx="minor">
-            <a:schemeClr val="lt1"/>
-          </a:fontRef>
-        </p:style>
-        <p:txBody>
-          <a:bodyPr rtlCol="0" anchor="ctr"/>
-          <a:lstStyle/>
-          <a:p>
-            <a:pPr algn="ctr"/>
-            <a:r>
-              <a:rPr lang="en-US" sz="2800" dirty="0"/>
-              <a:t>Dash-board</a:t>
-            </a:r>
-          </a:p>
-        </p:txBody>
-      </p:sp>
-      <p:sp>
-        <p:nvSpPr>
           <p:cNvPr id="28" name="Can 27">
             <a:extLst>
               <a:ext uri="{FF2B5EF4-FFF2-40B4-BE49-F238E27FC236}">
@@ -9162,8 +9104,8 @@
         </p:nvSpPr>
         <p:spPr>
           <a:xfrm>
-            <a:off x="11648756" y="7762234"/>
-            <a:ext cx="1962615" cy="1424957"/>
+            <a:off x="9482106" y="7762234"/>
+            <a:ext cx="4129266" cy="1424957"/>
           </a:xfrm>
           <a:prstGeom prst="roundRect">
             <a:avLst/>
